--- a/assets/lectures/cbw/2024/mini/RNASeq_MiniLecture_02_04_alignmentQC.pptx
+++ b/assets/lectures/cbw/2024/mini/RNASeq_MiniLecture_02_04_alignmentQC.pptx
@@ -213,7 +213,7 @@
           <a:p>
             <a:fld id="{6AEFB71E-F1C4-D746-9C58-AFA29060B4FF}" type="datetimeFigureOut">
               <a:rPr lang="en-US" smtClean="0"/>
-              <a:t>7/16/23</a:t>
+              <a:t>6/16/24</a:t>
             </a:fld>
             <a:endParaRPr lang="en-US"/>
           </a:p>
@@ -773,14 +773,14 @@
           </a:ln>
           <a:extLst>
             <a:ext uri="{909E8E84-426E-40dd-AFC4-6F175D3DCCD1}">
-              <a14:hiddenFill xmlns="" xmlns:a14="http://schemas.microsoft.com/office/drawing/2010/main">
+              <a14:hiddenFill xmlns:a14="http://schemas.microsoft.com/office/drawing/2010/main" xmlns="">
                 <a:solidFill>
                   <a:srgbClr val="FFFFFF"/>
                 </a:solidFill>
               </a14:hiddenFill>
             </a:ext>
             <a:ext uri="{FAA26D3D-D897-4be2-8F04-BA451C77F1D7}">
-              <ma14:placeholderFlag xmlns="" xmlns:ma14="http://schemas.microsoft.com/office/mac/drawingml/2011/main" val="1"/>
+              <ma14:placeholderFlag xmlns:ma14="http://schemas.microsoft.com/office/mac/drawingml/2011/main" xmlns="" val="1"/>
             </a:ext>
           </a:extLst>
         </p:spPr>
@@ -799,14 +799,14 @@
           <a:noFill/>
           <a:extLst>
             <a:ext uri="{909E8E84-426E-40dd-AFC4-6F175D3DCCD1}">
-              <a14:hiddenFill xmlns="" xmlns:a14="http://schemas.microsoft.com/office/drawing/2010/main">
+              <a14:hiddenFill xmlns:a14="http://schemas.microsoft.com/office/drawing/2010/main" xmlns="">
                 <a:solidFill>
                   <a:srgbClr val="FFFFFF"/>
                 </a:solidFill>
               </a14:hiddenFill>
             </a:ext>
             <a:ext uri="{91240B29-F687-4f45-9708-019B960494DF}">
-              <a14:hiddenLine xmlns="" xmlns:a14="http://schemas.microsoft.com/office/drawing/2010/main" w="9525">
+              <a14:hiddenLine xmlns:a14="http://schemas.microsoft.com/office/drawing/2010/main" xmlns="" w="9525">
                 <a:solidFill>
                   <a:srgbClr val="000000"/>
                 </a:solidFill>
@@ -816,7 +816,7 @@
               </a14:hiddenLine>
             </a:ext>
             <a:ext uri="{FAA26D3D-D897-4be2-8F04-BA451C77F1D7}">
-              <ma14:placeholderFlag xmlns="" xmlns:ma14="http://schemas.microsoft.com/office/mac/drawingml/2011/main" val="1"/>
+              <ma14:placeholderFlag xmlns:ma14="http://schemas.microsoft.com/office/mac/drawingml/2011/main" xmlns="" val="1"/>
             </a:ext>
           </a:extLst>
         </p:spPr>
@@ -850,14 +850,14 @@
           <a:noFill/>
           <a:extLst>
             <a:ext uri="{909E8E84-426E-40dd-AFC4-6F175D3DCCD1}">
-              <a14:hiddenFill xmlns="" xmlns:a14="http://schemas.microsoft.com/office/drawing/2010/main">
+              <a14:hiddenFill xmlns:a14="http://schemas.microsoft.com/office/drawing/2010/main" xmlns="">
                 <a:solidFill>
                   <a:srgbClr val="FFFFFF"/>
                 </a:solidFill>
               </a14:hiddenFill>
             </a:ext>
             <a:ext uri="{91240B29-F687-4f45-9708-019B960494DF}">
-              <a14:hiddenLine xmlns="" xmlns:a14="http://schemas.microsoft.com/office/drawing/2010/main" w="9525">
+              <a14:hiddenLine xmlns:a14="http://schemas.microsoft.com/office/drawing/2010/main" xmlns="" w="9525">
                 <a:solidFill>
                   <a:srgbClr val="000000"/>
                 </a:solidFill>
@@ -1734,7 +1734,7 @@
   <p:clrMapOvr>
     <a:masterClrMapping/>
   </p:clrMapOvr>
-  <p:extLst mod="1">
+  <p:extLst>
     <p:ext uri="{DCECCB84-F9BA-43D5-87BE-67443E8EF086}">
       <p15:sldGuideLst xmlns:p15="http://schemas.microsoft.com/office/powerpoint/2012/main">
         <p15:guide id="1" orient="horz" pos="2160">
@@ -2428,14 +2428,14 @@
           </a:ln>
           <a:extLst>
             <a:ext uri="{909E8E84-426E-40dd-AFC4-6F175D3DCCD1}">
-              <a14:hiddenFill xmlns="" xmlns:a14="http://schemas.microsoft.com/office/drawing/2010/main">
+              <a14:hiddenFill xmlns:a14="http://schemas.microsoft.com/office/drawing/2010/main" xmlns="">
                 <a:solidFill>
                   <a:srgbClr val="FFFFFF"/>
                 </a:solidFill>
               </a14:hiddenFill>
             </a:ext>
             <a:ext uri="{91240B29-F687-4f45-9708-019B960494DF}">
-              <a14:hiddenLine xmlns="" xmlns:a14="http://schemas.microsoft.com/office/drawing/2010/main" w="9525">
+              <a14:hiddenLine xmlns:a14="http://schemas.microsoft.com/office/drawing/2010/main" xmlns="" w="9525">
                 <a:solidFill>
                   <a:srgbClr val="000000"/>
                 </a:solidFill>
@@ -2685,14 +2685,14 @@
           </a:ln>
           <a:extLst>
             <a:ext uri="{909E8E84-426E-40dd-AFC4-6F175D3DCCD1}">
-              <a14:hiddenFill xmlns="" xmlns:a14="http://schemas.microsoft.com/office/drawing/2010/main">
+              <a14:hiddenFill xmlns:a14="http://schemas.microsoft.com/office/drawing/2010/main" xmlns="">
                 <a:solidFill>
                   <a:srgbClr val="FFFFFF"/>
                 </a:solidFill>
               </a14:hiddenFill>
             </a:ext>
             <a:ext uri="{91240B29-F687-4f45-9708-019B960494DF}">
-              <a14:hiddenLine xmlns="" xmlns:a14="http://schemas.microsoft.com/office/drawing/2010/main" w="9525">
+              <a14:hiddenLine xmlns:a14="http://schemas.microsoft.com/office/drawing/2010/main" xmlns="" w="9525">
                 <a:solidFill>
                   <a:srgbClr val="000000"/>
                 </a:solidFill>
@@ -4205,14 +4205,14 @@
           </a:ln>
           <a:extLst>
             <a:ext uri="{909E8E84-426E-40dd-AFC4-6F175D3DCCD1}">
-              <a14:hiddenFill xmlns:a14="http://schemas.microsoft.com/office/drawing/2010/main" xmlns="">
+              <a14:hiddenFill xmlns="" xmlns:a14="http://schemas.microsoft.com/office/drawing/2010/main">
                 <a:solidFill>
                   <a:srgbClr val="FFFFFF"/>
                 </a:solidFill>
               </a14:hiddenFill>
             </a:ext>
             <a:ext uri="{91240B29-F687-4f45-9708-019B960494DF}">
-              <a14:hiddenLine xmlns:a14="http://schemas.microsoft.com/office/drawing/2010/main" xmlns="" w="9525">
+              <a14:hiddenLine xmlns="" xmlns:a14="http://schemas.microsoft.com/office/drawing/2010/main" w="9525">
                 <a:solidFill>
                   <a:srgbClr val="000000"/>
                 </a:solidFill>
@@ -5182,7 +5182,7 @@
           <a:effectLst/>
           <a:extLst>
             <a:ext uri="{909E8E84-426E-40dd-AFC4-6F175D3DCCD1}">
-              <a14:hiddenFill xmlns:a14="http://schemas.microsoft.com/office/drawing/2010/main" xmlns="">
+              <a14:hiddenFill xmlns="" xmlns:a14="http://schemas.microsoft.com/office/drawing/2010/main">
                 <a:blipFill dpi="0" rotWithShape="0">
                   <a:blip/>
                   <a:srcRect/>
@@ -5193,7 +5193,7 @@
               </a14:hiddenFill>
             </a:ext>
             <a:ext uri="{91240B29-F687-4f45-9708-019B960494DF}">
-              <a14:hiddenLine xmlns:a14="http://schemas.microsoft.com/office/drawing/2010/main" xmlns="" w="9525" cap="flat">
+              <a14:hiddenLine xmlns="" xmlns:a14="http://schemas.microsoft.com/office/drawing/2010/main" w="9525" cap="flat">
                 <a:solidFill>
                   <a:srgbClr val="3465A4"/>
                 </a:solidFill>
@@ -5203,7 +5203,7 @@
               </a14:hiddenLine>
             </a:ext>
             <a:ext uri="{AF507438-7753-43e0-B8FC-AC1667EBCBE1}">
-              <a14:hiddenEffects xmlns:a14="http://schemas.microsoft.com/office/drawing/2010/main" xmlns="">
+              <a14:hiddenEffects xmlns="" xmlns:a14="http://schemas.microsoft.com/office/drawing/2010/main">
                 <a:effectLst>
                   <a:outerShdw blurRad="63500" dist="38099" dir="2700000" algn="ctr" rotWithShape="0">
                     <a:srgbClr val="000000">
@@ -5534,7 +5534,7 @@
           <a:effectLst/>
           <a:extLst>
             <a:ext uri="{909E8E84-426E-40dd-AFC4-6F175D3DCCD1}">
-              <a14:hiddenFill xmlns:a14="http://schemas.microsoft.com/office/drawing/2010/main" xmlns="">
+              <a14:hiddenFill xmlns="" xmlns:a14="http://schemas.microsoft.com/office/drawing/2010/main">
                 <a:blipFill dpi="0" rotWithShape="0">
                   <a:blip/>
                   <a:srcRect/>
@@ -5545,7 +5545,7 @@
               </a14:hiddenFill>
             </a:ext>
             <a:ext uri="{91240B29-F687-4f45-9708-019B960494DF}">
-              <a14:hiddenLine xmlns:a14="http://schemas.microsoft.com/office/drawing/2010/main" xmlns="" w="9525" cap="flat">
+              <a14:hiddenLine xmlns="" xmlns:a14="http://schemas.microsoft.com/office/drawing/2010/main" w="9525" cap="flat">
                 <a:solidFill>
                   <a:srgbClr val="3465A4"/>
                 </a:solidFill>
@@ -5555,7 +5555,7 @@
               </a14:hiddenLine>
             </a:ext>
             <a:ext uri="{AF507438-7753-43e0-B8FC-AC1667EBCBE1}">
-              <a14:hiddenEffects xmlns:a14="http://schemas.microsoft.com/office/drawing/2010/main" xmlns="">
+              <a14:hiddenEffects xmlns="" xmlns:a14="http://schemas.microsoft.com/office/drawing/2010/main">
                 <a:effectLst>
                   <a:outerShdw blurRad="63500" dist="38099" dir="2700000" algn="ctr" rotWithShape="0">
                     <a:srgbClr val="000000">
@@ -5597,14 +5597,14 @@
           <a:effectLst/>
           <a:extLst>
             <a:ext uri="{909E8E84-426E-40dd-AFC4-6F175D3DCCD1}">
-              <a14:hiddenFill xmlns:a14="http://schemas.microsoft.com/office/drawing/2010/main" xmlns="">
+              <a14:hiddenFill xmlns="" xmlns:a14="http://schemas.microsoft.com/office/drawing/2010/main">
                 <a:solidFill>
                   <a:srgbClr val="FFFFFF"/>
                 </a:solidFill>
               </a14:hiddenFill>
             </a:ext>
             <a:ext uri="{91240B29-F687-4f45-9708-019B960494DF}">
-              <a14:hiddenLine xmlns:a14="http://schemas.microsoft.com/office/drawing/2010/main" xmlns="" w="9525" cap="flat">
+              <a14:hiddenLine xmlns="" xmlns:a14="http://schemas.microsoft.com/office/drawing/2010/main" w="9525" cap="flat">
                 <a:solidFill>
                   <a:srgbClr val="3465A4"/>
                 </a:solidFill>
@@ -5614,7 +5614,7 @@
               </a14:hiddenLine>
             </a:ext>
             <a:ext uri="{AF507438-7753-43e0-B8FC-AC1667EBCBE1}">
-              <a14:hiddenEffects xmlns:a14="http://schemas.microsoft.com/office/drawing/2010/main" xmlns="">
+              <a14:hiddenEffects xmlns="" xmlns:a14="http://schemas.microsoft.com/office/drawing/2010/main">
                 <a:effectLst>
                   <a:outerShdw blurRad="63500" dist="38099" dir="2700000" algn="ctr" rotWithShape="0">
                     <a:srgbClr val="000000">
@@ -6071,7 +6071,7 @@
           <a:effectLst/>
           <a:extLst>
             <a:ext uri="{909E8E84-426E-40dd-AFC4-6F175D3DCCD1}">
-              <a14:hiddenFill xmlns:a14="http://schemas.microsoft.com/office/drawing/2010/main" xmlns="">
+              <a14:hiddenFill xmlns="" xmlns:a14="http://schemas.microsoft.com/office/drawing/2010/main">
                 <a:blipFill dpi="0" rotWithShape="0">
                   <a:blip/>
                   <a:srcRect/>
@@ -6082,7 +6082,7 @@
               </a14:hiddenFill>
             </a:ext>
             <a:ext uri="{91240B29-F687-4f45-9708-019B960494DF}">
-              <a14:hiddenLine xmlns:a14="http://schemas.microsoft.com/office/drawing/2010/main" xmlns="" w="9525" cap="flat">
+              <a14:hiddenLine xmlns="" xmlns:a14="http://schemas.microsoft.com/office/drawing/2010/main" w="9525" cap="flat">
                 <a:solidFill>
                   <a:srgbClr val="3465A4"/>
                 </a:solidFill>
@@ -6092,7 +6092,7 @@
               </a14:hiddenLine>
             </a:ext>
             <a:ext uri="{AF507438-7753-43e0-B8FC-AC1667EBCBE1}">
-              <a14:hiddenEffects xmlns:a14="http://schemas.microsoft.com/office/drawing/2010/main" xmlns="">
+              <a14:hiddenEffects xmlns="" xmlns:a14="http://schemas.microsoft.com/office/drawing/2010/main">
                 <a:effectLst>
                   <a:outerShdw blurRad="63500" dist="38099" dir="2700000" algn="ctr" rotWithShape="0">
                     <a:srgbClr val="000000">
@@ -6190,14 +6190,14 @@
           <a:effectLst/>
           <a:extLst>
             <a:ext uri="{909E8E84-426E-40dd-AFC4-6F175D3DCCD1}">
-              <a14:hiddenFill xmlns:a14="http://schemas.microsoft.com/office/drawing/2010/main" xmlns="">
+              <a14:hiddenFill xmlns="" xmlns:a14="http://schemas.microsoft.com/office/drawing/2010/main">
                 <a:solidFill>
                   <a:srgbClr val="FFFFFF"/>
                 </a:solidFill>
               </a14:hiddenFill>
             </a:ext>
             <a:ext uri="{91240B29-F687-4f45-9708-019B960494DF}">
-              <a14:hiddenLine xmlns:a14="http://schemas.microsoft.com/office/drawing/2010/main" xmlns="" w="9525" cap="flat">
+              <a14:hiddenLine xmlns="" xmlns:a14="http://schemas.microsoft.com/office/drawing/2010/main" w="9525" cap="flat">
                 <a:solidFill>
                   <a:srgbClr val="000000"/>
                 </a:solidFill>
@@ -6207,7 +6207,7 @@
               </a14:hiddenLine>
             </a:ext>
             <a:ext uri="{AF507438-7753-43e0-B8FC-AC1667EBCBE1}">
-              <a14:hiddenEffects xmlns:a14="http://schemas.microsoft.com/office/drawing/2010/main" xmlns="">
+              <a14:hiddenEffects xmlns="" xmlns:a14="http://schemas.microsoft.com/office/drawing/2010/main">
                 <a:effectLst>
                   <a:outerShdw blurRad="63500" dist="38099" dir="2700000" algn="ctr" rotWithShape="0">
                     <a:srgbClr val="000000">
@@ -6621,7 +6621,7 @@
           <a:effectLst/>
           <a:extLst>
             <a:ext uri="{909E8E84-426E-40dd-AFC4-6F175D3DCCD1}">
-              <a14:hiddenFill xmlns:a14="http://schemas.microsoft.com/office/drawing/2010/main" xmlns="">
+              <a14:hiddenFill xmlns="" xmlns:a14="http://schemas.microsoft.com/office/drawing/2010/main">
                 <a:blipFill dpi="0" rotWithShape="0">
                   <a:blip/>
                   <a:srcRect/>
@@ -6632,7 +6632,7 @@
               </a14:hiddenFill>
             </a:ext>
             <a:ext uri="{91240B29-F687-4f45-9708-019B960494DF}">
-              <a14:hiddenLine xmlns:a14="http://schemas.microsoft.com/office/drawing/2010/main" xmlns="" w="9525" cap="flat">
+              <a14:hiddenLine xmlns="" xmlns:a14="http://schemas.microsoft.com/office/drawing/2010/main" w="9525" cap="flat">
                 <a:solidFill>
                   <a:srgbClr val="3465A4"/>
                 </a:solidFill>
@@ -6642,7 +6642,7 @@
               </a14:hiddenLine>
             </a:ext>
             <a:ext uri="{AF507438-7753-43e0-B8FC-AC1667EBCBE1}">
-              <a14:hiddenEffects xmlns:a14="http://schemas.microsoft.com/office/drawing/2010/main" xmlns="">
+              <a14:hiddenEffects xmlns="" xmlns:a14="http://schemas.microsoft.com/office/drawing/2010/main">
                 <a:effectLst>
                   <a:outerShdw blurRad="63500" dist="38099" dir="2700000" algn="ctr" rotWithShape="0">
                     <a:srgbClr val="000000">
@@ -6697,7 +6697,7 @@
           <a:effectLst/>
           <a:extLst>
             <a:ext uri="{909E8E84-426E-40dd-AFC4-6F175D3DCCD1}">
-              <a14:hiddenFill xmlns:a14="http://schemas.microsoft.com/office/drawing/2010/main" xmlns="">
+              <a14:hiddenFill xmlns="" xmlns:a14="http://schemas.microsoft.com/office/drawing/2010/main">
                 <a:blipFill dpi="0" rotWithShape="0">
                   <a:blip/>
                   <a:srcRect/>
@@ -6708,7 +6708,7 @@
               </a14:hiddenFill>
             </a:ext>
             <a:ext uri="{91240B29-F687-4f45-9708-019B960494DF}">
-              <a14:hiddenLine xmlns:a14="http://schemas.microsoft.com/office/drawing/2010/main" xmlns="" w="9525" cap="flat">
+              <a14:hiddenLine xmlns="" xmlns:a14="http://schemas.microsoft.com/office/drawing/2010/main" w="9525" cap="flat">
                 <a:solidFill>
                   <a:srgbClr val="3465A4"/>
                 </a:solidFill>
@@ -6718,7 +6718,7 @@
               </a14:hiddenLine>
             </a:ext>
             <a:ext uri="{AF507438-7753-43e0-B8FC-AC1667EBCBE1}">
-              <a14:hiddenEffects xmlns:a14="http://schemas.microsoft.com/office/drawing/2010/main" xmlns="">
+              <a14:hiddenEffects xmlns="" xmlns:a14="http://schemas.microsoft.com/office/drawing/2010/main">
                 <a:effectLst>
                   <a:outerShdw blurRad="63500" dist="38099" dir="2700000" algn="ctr" rotWithShape="0">
                     <a:srgbClr val="000000">
@@ -6760,14 +6760,14 @@
           <a:effectLst/>
           <a:extLst>
             <a:ext uri="{909E8E84-426E-40dd-AFC4-6F175D3DCCD1}">
-              <a14:hiddenFill xmlns:a14="http://schemas.microsoft.com/office/drawing/2010/main" xmlns="">
+              <a14:hiddenFill xmlns="" xmlns:a14="http://schemas.microsoft.com/office/drawing/2010/main">
                 <a:solidFill>
                   <a:srgbClr val="FFFFFF"/>
                 </a:solidFill>
               </a14:hiddenFill>
             </a:ext>
             <a:ext uri="{91240B29-F687-4f45-9708-019B960494DF}">
-              <a14:hiddenLine xmlns:a14="http://schemas.microsoft.com/office/drawing/2010/main" xmlns="" w="9525" cap="flat">
+              <a14:hiddenLine xmlns="" xmlns:a14="http://schemas.microsoft.com/office/drawing/2010/main" w="9525" cap="flat">
                 <a:solidFill>
                   <a:srgbClr val="000000"/>
                 </a:solidFill>
@@ -6777,7 +6777,7 @@
               </a14:hiddenLine>
             </a:ext>
             <a:ext uri="{AF507438-7753-43e0-B8FC-AC1667EBCBE1}">
-              <a14:hiddenEffects xmlns:a14="http://schemas.microsoft.com/office/drawing/2010/main" xmlns="">
+              <a14:hiddenEffects xmlns="" xmlns:a14="http://schemas.microsoft.com/office/drawing/2010/main">
                 <a:effectLst>
                   <a:outerShdw blurRad="63500" dist="38099" dir="2700000" algn="ctr" rotWithShape="0">
                     <a:srgbClr val="000000">
@@ -7038,14 +7038,14 @@
           <a:effectLst/>
           <a:extLst>
             <a:ext uri="{909E8E84-426E-40dd-AFC4-6F175D3DCCD1}">
-              <a14:hiddenFill xmlns:a14="http://schemas.microsoft.com/office/drawing/2010/main" xmlns="">
+              <a14:hiddenFill xmlns="" xmlns:a14="http://schemas.microsoft.com/office/drawing/2010/main">
                 <a:solidFill>
                   <a:srgbClr val="FFFFFF"/>
                 </a:solidFill>
               </a14:hiddenFill>
             </a:ext>
             <a:ext uri="{91240B29-F687-4f45-9708-019B960494DF}">
-              <a14:hiddenLine xmlns:a14="http://schemas.microsoft.com/office/drawing/2010/main" xmlns="" w="9525" cap="flat">
+              <a14:hiddenLine xmlns="" xmlns:a14="http://schemas.microsoft.com/office/drawing/2010/main" w="9525" cap="flat">
                 <a:solidFill>
                   <a:srgbClr val="000000"/>
                 </a:solidFill>
@@ -7055,7 +7055,7 @@
               </a14:hiddenLine>
             </a:ext>
             <a:ext uri="{AF507438-7753-43e0-B8FC-AC1667EBCBE1}">
-              <a14:hiddenEffects xmlns:a14="http://schemas.microsoft.com/office/drawing/2010/main" xmlns="">
+              <a14:hiddenEffects xmlns="" xmlns:a14="http://schemas.microsoft.com/office/drawing/2010/main">
                 <a:effectLst>
                   <a:outerShdw blurRad="63500" dist="38099" dir="2700000" algn="ctr" rotWithShape="0">
                     <a:srgbClr val="000000">
@@ -7362,7 +7362,7 @@
           <a:effectLst/>
           <a:extLst>
             <a:ext uri="{909E8E84-426E-40dd-AFC4-6F175D3DCCD1}">
-              <a14:hiddenFill xmlns="" xmlns:a14="http://schemas.microsoft.com/office/drawing/2010/main">
+              <a14:hiddenFill xmlns:a14="http://schemas.microsoft.com/office/drawing/2010/main" xmlns="">
                 <a:blipFill dpi="0" rotWithShape="0">
                   <a:blip/>
                   <a:srcRect/>
@@ -7373,7 +7373,7 @@
               </a14:hiddenFill>
             </a:ext>
             <a:ext uri="{91240B29-F687-4f45-9708-019B960494DF}">
-              <a14:hiddenLine xmlns="" xmlns:a14="http://schemas.microsoft.com/office/drawing/2010/main" w="9525" cap="flat">
+              <a14:hiddenLine xmlns:a14="http://schemas.microsoft.com/office/drawing/2010/main" xmlns="" w="9525" cap="flat">
                 <a:solidFill>
                   <a:srgbClr val="3465A4"/>
                 </a:solidFill>
@@ -7383,7 +7383,7 @@
               </a14:hiddenLine>
             </a:ext>
             <a:ext uri="{AF507438-7753-43e0-B8FC-AC1667EBCBE1}">
-              <a14:hiddenEffects xmlns="" xmlns:a14="http://schemas.microsoft.com/office/drawing/2010/main">
+              <a14:hiddenEffects xmlns:a14="http://schemas.microsoft.com/office/drawing/2010/main" xmlns="">
                 <a:effectLst>
                   <a:outerShdw blurRad="63500" dist="38099" dir="2700000" algn="ctr" rotWithShape="0">
                     <a:srgbClr val="000000">
@@ -7432,7 +7432,7 @@
           <a:effectLst/>
           <a:extLst>
             <a:ext uri="{909E8E84-426E-40dd-AFC4-6F175D3DCCD1}">
-              <a14:hiddenFill xmlns="" xmlns:a14="http://schemas.microsoft.com/office/drawing/2010/main">
+              <a14:hiddenFill xmlns:a14="http://schemas.microsoft.com/office/drawing/2010/main" xmlns="">
                 <a:blipFill dpi="0" rotWithShape="0">
                   <a:blip/>
                   <a:srcRect/>
@@ -7443,7 +7443,7 @@
               </a14:hiddenFill>
             </a:ext>
             <a:ext uri="{91240B29-F687-4f45-9708-019B960494DF}">
-              <a14:hiddenLine xmlns="" xmlns:a14="http://schemas.microsoft.com/office/drawing/2010/main" w="9525" cap="flat">
+              <a14:hiddenLine xmlns:a14="http://schemas.microsoft.com/office/drawing/2010/main" xmlns="" w="9525" cap="flat">
                 <a:solidFill>
                   <a:srgbClr val="3465A4"/>
                 </a:solidFill>
@@ -7453,7 +7453,7 @@
               </a14:hiddenLine>
             </a:ext>
             <a:ext uri="{AF507438-7753-43e0-B8FC-AC1667EBCBE1}">
-              <a14:hiddenEffects xmlns="" xmlns:a14="http://schemas.microsoft.com/office/drawing/2010/main">
+              <a14:hiddenEffects xmlns:a14="http://schemas.microsoft.com/office/drawing/2010/main" xmlns="">
                 <a:effectLst>
                   <a:outerShdw blurRad="63500" dist="38099" dir="2700000" algn="ctr" rotWithShape="0">
                     <a:srgbClr val="000000">
@@ -7489,14 +7489,14 @@
           <a:effectLst/>
           <a:extLst>
             <a:ext uri="{909E8E84-426E-40dd-AFC4-6F175D3DCCD1}">
-              <a14:hiddenFill xmlns="" xmlns:a14="http://schemas.microsoft.com/office/drawing/2010/main">
+              <a14:hiddenFill xmlns:a14="http://schemas.microsoft.com/office/drawing/2010/main" xmlns="">
                 <a:solidFill>
                   <a:srgbClr val="FFFFFF"/>
                 </a:solidFill>
               </a14:hiddenFill>
             </a:ext>
             <a:ext uri="{91240B29-F687-4f45-9708-019B960494DF}">
-              <a14:hiddenLine xmlns="" xmlns:a14="http://schemas.microsoft.com/office/drawing/2010/main" w="9525" cap="flat">
+              <a14:hiddenLine xmlns:a14="http://schemas.microsoft.com/office/drawing/2010/main" xmlns="" w="9525" cap="flat">
                 <a:solidFill>
                   <a:srgbClr val="000000"/>
                 </a:solidFill>
@@ -7506,7 +7506,7 @@
               </a14:hiddenLine>
             </a:ext>
             <a:ext uri="{AF507438-7753-43e0-B8FC-AC1667EBCBE1}">
-              <a14:hiddenEffects xmlns="" xmlns:a14="http://schemas.microsoft.com/office/drawing/2010/main">
+              <a14:hiddenEffects xmlns:a14="http://schemas.microsoft.com/office/drawing/2010/main" xmlns="">
                 <a:effectLst>
                   <a:outerShdw blurRad="63500" dist="38099" dir="2700000" algn="ctr" rotWithShape="0">
                     <a:srgbClr val="000000">
@@ -7907,7 +7907,7 @@
           <a:effectLst/>
           <a:extLst>
             <a:ext uri="{909E8E84-426E-40dd-AFC4-6F175D3DCCD1}">
-              <a14:hiddenFill xmlns="" xmlns:a14="http://schemas.microsoft.com/office/drawing/2010/main">
+              <a14:hiddenFill xmlns:a14="http://schemas.microsoft.com/office/drawing/2010/main" xmlns="">
                 <a:blipFill dpi="0" rotWithShape="0">
                   <a:blip/>
                   <a:srcRect/>
@@ -7918,7 +7918,7 @@
               </a14:hiddenFill>
             </a:ext>
             <a:ext uri="{91240B29-F687-4f45-9708-019B960494DF}">
-              <a14:hiddenLine xmlns="" xmlns:a14="http://schemas.microsoft.com/office/drawing/2010/main" w="9525" cap="flat">
+              <a14:hiddenLine xmlns:a14="http://schemas.microsoft.com/office/drawing/2010/main" xmlns="" w="9525" cap="flat">
                 <a:solidFill>
                   <a:srgbClr val="3465A4"/>
                 </a:solidFill>
@@ -7928,7 +7928,7 @@
               </a14:hiddenLine>
             </a:ext>
             <a:ext uri="{AF507438-7753-43e0-B8FC-AC1667EBCBE1}">
-              <a14:hiddenEffects xmlns="" xmlns:a14="http://schemas.microsoft.com/office/drawing/2010/main">
+              <a14:hiddenEffects xmlns:a14="http://schemas.microsoft.com/office/drawing/2010/main" xmlns="">
                 <a:effectLst>
                   <a:outerShdw blurRad="63500" dist="38099" dir="2700000" algn="ctr" rotWithShape="0">
                     <a:srgbClr val="000000">
@@ -7964,14 +7964,14 @@
           <a:effectLst/>
           <a:extLst>
             <a:ext uri="{909E8E84-426E-40dd-AFC4-6F175D3DCCD1}">
-              <a14:hiddenFill xmlns="" xmlns:a14="http://schemas.microsoft.com/office/drawing/2010/main">
+              <a14:hiddenFill xmlns:a14="http://schemas.microsoft.com/office/drawing/2010/main" xmlns="">
                 <a:solidFill>
                   <a:srgbClr val="FFFFFF"/>
                 </a:solidFill>
               </a14:hiddenFill>
             </a:ext>
             <a:ext uri="{91240B29-F687-4f45-9708-019B960494DF}">
-              <a14:hiddenLine xmlns="" xmlns:a14="http://schemas.microsoft.com/office/drawing/2010/main" w="9525" cap="flat">
+              <a14:hiddenLine xmlns:a14="http://schemas.microsoft.com/office/drawing/2010/main" xmlns="" w="9525" cap="flat">
                 <a:solidFill>
                   <a:srgbClr val="000000"/>
                 </a:solidFill>
@@ -7981,7 +7981,7 @@
               </a14:hiddenLine>
             </a:ext>
             <a:ext uri="{AF507438-7753-43e0-B8FC-AC1667EBCBE1}">
-              <a14:hiddenEffects xmlns="" xmlns:a14="http://schemas.microsoft.com/office/drawing/2010/main">
+              <a14:hiddenEffects xmlns:a14="http://schemas.microsoft.com/office/drawing/2010/main" xmlns="">
                 <a:effectLst>
                   <a:outerShdw blurRad="63500" dist="38099" dir="2700000" algn="ctr" rotWithShape="0">
                     <a:srgbClr val="000000">
@@ -8264,14 +8264,14 @@
           <a:effectLst/>
           <a:extLst>
             <a:ext uri="{909E8E84-426E-40dd-AFC4-6F175D3DCCD1}">
-              <a14:hiddenFill xmlns="" xmlns:a14="http://schemas.microsoft.com/office/drawing/2010/main">
+              <a14:hiddenFill xmlns:a14="http://schemas.microsoft.com/office/drawing/2010/main" xmlns="">
                 <a:solidFill>
                   <a:srgbClr val="FFFFFF"/>
                 </a:solidFill>
               </a14:hiddenFill>
             </a:ext>
             <a:ext uri="{91240B29-F687-4f45-9708-019B960494DF}">
-              <a14:hiddenLine xmlns="" xmlns:a14="http://schemas.microsoft.com/office/drawing/2010/main" w="9525" cap="flat">
+              <a14:hiddenLine xmlns:a14="http://schemas.microsoft.com/office/drawing/2010/main" xmlns="" w="9525" cap="flat">
                 <a:solidFill>
                   <a:srgbClr val="3465A4"/>
                 </a:solidFill>
@@ -8281,7 +8281,7 @@
               </a14:hiddenLine>
             </a:ext>
             <a:ext uri="{AF507438-7753-43e0-B8FC-AC1667EBCBE1}">
-              <a14:hiddenEffects xmlns="" xmlns:a14="http://schemas.microsoft.com/office/drawing/2010/main">
+              <a14:hiddenEffects xmlns:a14="http://schemas.microsoft.com/office/drawing/2010/main" xmlns="">
                 <a:effectLst>
                   <a:outerShdw blurRad="63500" dist="38099" dir="2700000" algn="ctr" rotWithShape="0">
                     <a:srgbClr val="000000">
@@ -8643,14 +8643,14 @@
           </a:ln>
           <a:extLst>
             <a:ext uri="{909E8E84-426E-40dd-AFC4-6F175D3DCCD1}">
-              <a14:hiddenFill xmlns="" xmlns:a14="http://schemas.microsoft.com/office/drawing/2010/main">
+              <a14:hiddenFill xmlns:a14="http://schemas.microsoft.com/office/drawing/2010/main" xmlns="">
                 <a:solidFill>
                   <a:srgbClr val="FFFFFF"/>
                 </a:solidFill>
               </a14:hiddenFill>
             </a:ext>
             <a:ext uri="{91240B29-F687-4f45-9708-019B960494DF}">
-              <a14:hiddenLine xmlns="" xmlns:a14="http://schemas.microsoft.com/office/drawing/2010/main" w="9525">
+              <a14:hiddenLine xmlns:a14="http://schemas.microsoft.com/office/drawing/2010/main" xmlns="" w="9525">
                 <a:solidFill>
                   <a:srgbClr val="000000"/>
                 </a:solidFill>
@@ -9407,14 +9407,14 @@
           </a:ln>
           <a:extLst>
             <a:ext uri="{909E8E84-426E-40dd-AFC4-6F175D3DCCD1}">
-              <a14:hiddenFill xmlns:a14="http://schemas.microsoft.com/office/drawing/2010/main" xmlns="">
+              <a14:hiddenFill xmlns="" xmlns:a14="http://schemas.microsoft.com/office/drawing/2010/main">
                 <a:solidFill>
                   <a:srgbClr val="FFFFFF"/>
                 </a:solidFill>
               </a14:hiddenFill>
             </a:ext>
             <a:ext uri="{91240B29-F687-4f45-9708-019B960494DF}">
-              <a14:hiddenLine xmlns:a14="http://schemas.microsoft.com/office/drawing/2010/main" xmlns="" w="9525">
+              <a14:hiddenLine xmlns="" xmlns:a14="http://schemas.microsoft.com/office/drawing/2010/main" w="9525">
                 <a:solidFill>
                   <a:srgbClr val="000000"/>
                 </a:solidFill>
@@ -9506,7 +9506,35 @@
                 <a:latin typeface="Calibri"/>
                 <a:cs typeface="Calibri"/>
               </a:rPr>
-              <a:t>Obi Griffith and Malachi Griffith  </a:t>
+              <a:t>Malachi Griffith, Obi Griffith, Isabel </a:t>
+            </a:r>
+            <a:r>
+              <a:rPr lang="en-US" sz="1800" dirty="0" err="1">
+                <a:latin typeface="Calibri"/>
+                <a:cs typeface="Calibri"/>
+              </a:rPr>
+              <a:t>Risch</a:t>
+            </a:r>
+            <a:r>
+              <a:rPr lang="en-US" sz="1800" dirty="0">
+                <a:latin typeface="Calibri"/>
+                <a:cs typeface="Calibri"/>
+              </a:rPr>
+              <a:t>, Vida </a:t>
+            </a:r>
+            <a:r>
+              <a:rPr lang="en-US" sz="1800" dirty="0" err="1">
+                <a:latin typeface="Calibri"/>
+                <a:cs typeface="Calibri"/>
+              </a:rPr>
+              <a:t>Talebian</a:t>
+            </a:r>
+            <a:r>
+              <a:rPr lang="en-US" sz="1800" dirty="0">
+                <a:latin typeface="Calibri"/>
+                <a:cs typeface="Calibri"/>
+              </a:rPr>
+              <a:t>  </a:t>
             </a:r>
           </a:p>
           <a:p>
@@ -9525,35 +9553,7 @@
                 <a:latin typeface="Calibri"/>
                 <a:cs typeface="Calibri"/>
               </a:rPr>
-              <a:t>RNA-</a:t>
-            </a:r>
-            <a:r>
-              <a:rPr lang="en-US" sz="1800" dirty="0" err="1">
-                <a:ln w="1270">
-                  <a:solidFill>
-                    <a:schemeClr val="tx1">
-                      <a:alpha val="38000"/>
-                    </a:schemeClr>
-                  </a:solidFill>
-                </a:ln>
-                <a:latin typeface="Calibri"/>
-                <a:cs typeface="Calibri"/>
-              </a:rPr>
-              <a:t>seq</a:t>
-            </a:r>
-            <a:r>
-              <a:rPr lang="en-US" sz="1800" dirty="0">
-                <a:ln w="1270">
-                  <a:solidFill>
-                    <a:schemeClr val="tx1">
-                      <a:alpha val="38000"/>
-                    </a:schemeClr>
-                  </a:solidFill>
-                </a:ln>
-                <a:latin typeface="Calibri"/>
-                <a:cs typeface="Calibri"/>
-              </a:rPr>
-              <a:t> Analysis 2023. </a:t>
+              <a:t>RNA-seq Analysis 2024. </a:t>
             </a:r>
             <a:r>
               <a:rPr lang="en-US" sz="1600" dirty="0">
@@ -9567,7 +9567,7 @@
                 <a:latin typeface="Calibri"/>
                 <a:cs typeface="Calibri"/>
               </a:rPr>
-              <a:t>July 17-19, 2023</a:t>
+              <a:t>June 17-19, 2024</a:t>
             </a:r>
           </a:p>
         </p:txBody>
@@ -9869,14 +9869,14 @@
           </a:ln>
           <a:extLst>
             <a:ext uri="{909E8E84-426E-40dd-AFC4-6F175D3DCCD1}">
-              <a14:hiddenFill xmlns="" xmlns:a14="http://schemas.microsoft.com/office/drawing/2010/main">
+              <a14:hiddenFill xmlns:a14="http://schemas.microsoft.com/office/drawing/2010/main" xmlns="">
                 <a:solidFill>
                   <a:srgbClr val="FFFFFF"/>
                 </a:solidFill>
               </a14:hiddenFill>
             </a:ext>
             <a:ext uri="{91240B29-F687-4f45-9708-019B960494DF}">
-              <a14:hiddenLine xmlns="" xmlns:a14="http://schemas.microsoft.com/office/drawing/2010/main" w="9525">
+              <a14:hiddenLine xmlns:a14="http://schemas.microsoft.com/office/drawing/2010/main" xmlns="" w="9525">
                 <a:solidFill>
                   <a:srgbClr val="000000"/>
                 </a:solidFill>
@@ -10065,14 +10065,14 @@
           </a:ln>
           <a:extLst>
             <a:ext uri="{909E8E84-426E-40dd-AFC4-6F175D3DCCD1}">
-              <a14:hiddenFill xmlns="" xmlns:a14="http://schemas.microsoft.com/office/drawing/2010/main">
+              <a14:hiddenFill xmlns:a14="http://schemas.microsoft.com/office/drawing/2010/main" xmlns="">
                 <a:solidFill>
                   <a:srgbClr val="FFFFFF"/>
                 </a:solidFill>
               </a14:hiddenFill>
             </a:ext>
             <a:ext uri="{91240B29-F687-4f45-9708-019B960494DF}">
-              <a14:hiddenLine xmlns="" xmlns:a14="http://schemas.microsoft.com/office/drawing/2010/main" w="9525">
+              <a14:hiddenLine xmlns:a14="http://schemas.microsoft.com/office/drawing/2010/main" xmlns="" w="9525">
                 <a:solidFill>
                   <a:srgbClr val="000000"/>
                 </a:solidFill>
@@ -10261,14 +10261,14 @@
           </a:ln>
           <a:extLst>
             <a:ext uri="{909E8E84-426E-40dd-AFC4-6F175D3DCCD1}">
-              <a14:hiddenFill xmlns="" xmlns:a14="http://schemas.microsoft.com/office/drawing/2010/main">
+              <a14:hiddenFill xmlns:a14="http://schemas.microsoft.com/office/drawing/2010/main" xmlns="">
                 <a:solidFill>
                   <a:srgbClr val="FFFFFF"/>
                 </a:solidFill>
               </a14:hiddenFill>
             </a:ext>
             <a:ext uri="{91240B29-F687-4f45-9708-019B960494DF}">
-              <a14:hiddenLine xmlns="" xmlns:a14="http://schemas.microsoft.com/office/drawing/2010/main" w="9525">
+              <a14:hiddenLine xmlns:a14="http://schemas.microsoft.com/office/drawing/2010/main" xmlns="" w="9525">
                 <a:solidFill>
                   <a:srgbClr val="000000"/>
                 </a:solidFill>
@@ -10422,14 +10422,14 @@
           </a:ln>
           <a:extLst>
             <a:ext uri="{909E8E84-426E-40dd-AFC4-6F175D3DCCD1}">
-              <a14:hiddenFill xmlns="" xmlns:a14="http://schemas.microsoft.com/office/drawing/2010/main">
+              <a14:hiddenFill xmlns:a14="http://schemas.microsoft.com/office/drawing/2010/main" xmlns="">
                 <a:solidFill>
                   <a:srgbClr val="FFFFFF"/>
                 </a:solidFill>
               </a14:hiddenFill>
             </a:ext>
             <a:ext uri="{91240B29-F687-4f45-9708-019B960494DF}">
-              <a14:hiddenLine xmlns="" xmlns:a14="http://schemas.microsoft.com/office/drawing/2010/main" w="9525">
+              <a14:hiddenLine xmlns:a14="http://schemas.microsoft.com/office/drawing/2010/main" xmlns="" w="9525">
                 <a:solidFill>
                   <a:srgbClr val="000000"/>
                 </a:solidFill>
@@ -10618,14 +10618,14 @@
           </a:ln>
           <a:extLst>
             <a:ext uri="{909E8E84-426E-40dd-AFC4-6F175D3DCCD1}">
-              <a14:hiddenFill xmlns="" xmlns:a14="http://schemas.microsoft.com/office/drawing/2010/main">
+              <a14:hiddenFill xmlns:a14="http://schemas.microsoft.com/office/drawing/2010/main" xmlns="">
                 <a:solidFill>
                   <a:srgbClr val="FFFFFF"/>
                 </a:solidFill>
               </a14:hiddenFill>
             </a:ext>
             <a:ext uri="{91240B29-F687-4f45-9708-019B960494DF}">
-              <a14:hiddenLine xmlns="" xmlns:a14="http://schemas.microsoft.com/office/drawing/2010/main" w="9525">
+              <a14:hiddenLine xmlns:a14="http://schemas.microsoft.com/office/drawing/2010/main" xmlns="" w="9525">
                 <a:solidFill>
                   <a:srgbClr val="000000"/>
                 </a:solidFill>
@@ -10856,14 +10856,14 @@
           </a:ln>
           <a:extLst>
             <a:ext uri="{909E8E84-426E-40dd-AFC4-6F175D3DCCD1}">
-              <a14:hiddenFill xmlns="" xmlns:a14="http://schemas.microsoft.com/office/drawing/2010/main">
+              <a14:hiddenFill xmlns:a14="http://schemas.microsoft.com/office/drawing/2010/main" xmlns="">
                 <a:solidFill>
                   <a:srgbClr val="FFFFFF"/>
                 </a:solidFill>
               </a14:hiddenFill>
             </a:ext>
             <a:ext uri="{91240B29-F687-4f45-9708-019B960494DF}">
-              <a14:hiddenLine xmlns="" xmlns:a14="http://schemas.microsoft.com/office/drawing/2010/main" w="9525">
+              <a14:hiddenLine xmlns:a14="http://schemas.microsoft.com/office/drawing/2010/main" xmlns="" w="9525">
                 <a:solidFill>
                   <a:srgbClr val="000000"/>
                 </a:solidFill>
@@ -11052,14 +11052,14 @@
           </a:ln>
           <a:extLst>
             <a:ext uri="{909E8E84-426E-40dd-AFC4-6F175D3DCCD1}">
-              <a14:hiddenFill xmlns="" xmlns:a14="http://schemas.microsoft.com/office/drawing/2010/main">
+              <a14:hiddenFill xmlns:a14="http://schemas.microsoft.com/office/drawing/2010/main" xmlns="">
                 <a:solidFill>
                   <a:srgbClr val="FFFFFF"/>
                 </a:solidFill>
               </a14:hiddenFill>
             </a:ext>
             <a:ext uri="{91240B29-F687-4f45-9708-019B960494DF}">
-              <a14:hiddenLine xmlns="" xmlns:a14="http://schemas.microsoft.com/office/drawing/2010/main" w="9525">
+              <a14:hiddenLine xmlns:a14="http://schemas.microsoft.com/office/drawing/2010/main" xmlns="" w="9525">
                 <a:solidFill>
                   <a:srgbClr val="000000"/>
                 </a:solidFill>
@@ -11248,14 +11248,14 @@
           </a:ln>
           <a:extLst>
             <a:ext uri="{909E8E84-426E-40dd-AFC4-6F175D3DCCD1}">
-              <a14:hiddenFill xmlns="" xmlns:a14="http://schemas.microsoft.com/office/drawing/2010/main">
+              <a14:hiddenFill xmlns:a14="http://schemas.microsoft.com/office/drawing/2010/main" xmlns="">
                 <a:solidFill>
                   <a:srgbClr val="FFFFFF"/>
                 </a:solidFill>
               </a14:hiddenFill>
             </a:ext>
             <a:ext uri="{91240B29-F687-4f45-9708-019B960494DF}">
-              <a14:hiddenLine xmlns="" xmlns:a14="http://schemas.microsoft.com/office/drawing/2010/main" w="9525">
+              <a14:hiddenLine xmlns:a14="http://schemas.microsoft.com/office/drawing/2010/main" xmlns="" w="9525">
                 <a:solidFill>
                   <a:srgbClr val="000000"/>
                 </a:solidFill>
@@ -11451,14 +11451,14 @@
           </a:ln>
           <a:extLst>
             <a:ext uri="{909E8E84-426E-40dd-AFC4-6F175D3DCCD1}">
-              <a14:hiddenFill xmlns="" xmlns:a14="http://schemas.microsoft.com/office/drawing/2010/main">
+              <a14:hiddenFill xmlns:a14="http://schemas.microsoft.com/office/drawing/2010/main" xmlns="">
                 <a:solidFill>
                   <a:srgbClr val="FFFFFF"/>
                 </a:solidFill>
               </a14:hiddenFill>
             </a:ext>
             <a:ext uri="{91240B29-F687-4f45-9708-019B960494DF}">
-              <a14:hiddenLine xmlns="" xmlns:a14="http://schemas.microsoft.com/office/drawing/2010/main" w="9525">
+              <a14:hiddenLine xmlns:a14="http://schemas.microsoft.com/office/drawing/2010/main" xmlns="" w="9525">
                 <a:solidFill>
                   <a:srgbClr val="000000"/>
                 </a:solidFill>
@@ -11647,14 +11647,14 @@
           </a:ln>
           <a:extLst>
             <a:ext uri="{909E8E84-426E-40dd-AFC4-6F175D3DCCD1}">
-              <a14:hiddenFill xmlns="" xmlns:a14="http://schemas.microsoft.com/office/drawing/2010/main">
+              <a14:hiddenFill xmlns:a14="http://schemas.microsoft.com/office/drawing/2010/main" xmlns="">
                 <a:solidFill>
                   <a:srgbClr val="FFFFFF"/>
                 </a:solidFill>
               </a14:hiddenFill>
             </a:ext>
             <a:ext uri="{91240B29-F687-4f45-9708-019B960494DF}">
-              <a14:hiddenLine xmlns="" xmlns:a14="http://schemas.microsoft.com/office/drawing/2010/main" w="9525">
+              <a14:hiddenLine xmlns:a14="http://schemas.microsoft.com/office/drawing/2010/main" xmlns="" w="9525">
                 <a:solidFill>
                   <a:srgbClr val="000000"/>
                 </a:solidFill>
@@ -11850,14 +11850,14 @@
           </a:ln>
           <a:extLst>
             <a:ext uri="{909E8E84-426E-40dd-AFC4-6F175D3DCCD1}">
-              <a14:hiddenFill xmlns="" xmlns:a14="http://schemas.microsoft.com/office/drawing/2010/main">
+              <a14:hiddenFill xmlns:a14="http://schemas.microsoft.com/office/drawing/2010/main" xmlns="">
                 <a:solidFill>
                   <a:srgbClr val="FFFFFF"/>
                 </a:solidFill>
               </a14:hiddenFill>
             </a:ext>
             <a:ext uri="{91240B29-F687-4f45-9708-019B960494DF}">
-              <a14:hiddenLine xmlns="" xmlns:a14="http://schemas.microsoft.com/office/drawing/2010/main" w="9525">
+              <a14:hiddenLine xmlns:a14="http://schemas.microsoft.com/office/drawing/2010/main" xmlns="" w="9525">
                 <a:solidFill>
                   <a:srgbClr val="000000"/>
                 </a:solidFill>
@@ -12053,14 +12053,14 @@
           </a:ln>
           <a:extLst>
             <a:ext uri="{909E8E84-426E-40dd-AFC4-6F175D3DCCD1}">
-              <a14:hiddenFill xmlns="" xmlns:a14="http://schemas.microsoft.com/office/drawing/2010/main">
+              <a14:hiddenFill xmlns:a14="http://schemas.microsoft.com/office/drawing/2010/main" xmlns="">
                 <a:solidFill>
                   <a:srgbClr val="FFFFFF"/>
                 </a:solidFill>
               </a14:hiddenFill>
             </a:ext>
             <a:ext uri="{91240B29-F687-4f45-9708-019B960494DF}">
-              <a14:hiddenLine xmlns="" xmlns:a14="http://schemas.microsoft.com/office/drawing/2010/main" w="9525">
+              <a14:hiddenLine xmlns:a14="http://schemas.microsoft.com/office/drawing/2010/main" xmlns="" w="9525">
                 <a:solidFill>
                   <a:srgbClr val="000000"/>
                 </a:solidFill>
@@ -12547,7 +12547,7 @@
           <a:effectLst/>
           <a:extLst>
             <a:ext uri="{909E8E84-426E-40dd-AFC4-6F175D3DCCD1}">
-              <a14:hiddenFill xmlns="" xmlns:a14="http://schemas.microsoft.com/office/drawing/2010/main">
+              <a14:hiddenFill xmlns:a14="http://schemas.microsoft.com/office/drawing/2010/main" xmlns="">
                 <a:blipFill dpi="0" rotWithShape="0">
                   <a:blip/>
                   <a:srcRect/>
@@ -12558,7 +12558,7 @@
               </a14:hiddenFill>
             </a:ext>
             <a:ext uri="{91240B29-F687-4f45-9708-019B960494DF}">
-              <a14:hiddenLine xmlns="" xmlns:a14="http://schemas.microsoft.com/office/drawing/2010/main" w="9525" cap="flat">
+              <a14:hiddenLine xmlns:a14="http://schemas.microsoft.com/office/drawing/2010/main" xmlns="" w="9525" cap="flat">
                 <a:solidFill>
                   <a:srgbClr val="3465A4"/>
                 </a:solidFill>
@@ -12568,7 +12568,7 @@
               </a14:hiddenLine>
             </a:ext>
             <a:ext uri="{AF507438-7753-43e0-B8FC-AC1667EBCBE1}">
-              <a14:hiddenEffects xmlns="" xmlns:a14="http://schemas.microsoft.com/office/drawing/2010/main">
+              <a14:hiddenEffects xmlns:a14="http://schemas.microsoft.com/office/drawing/2010/main" xmlns="">
                 <a:effectLst>
                   <a:outerShdw blurRad="63500" dist="38099" dir="2700000" algn="ctr" rotWithShape="0">
                     <a:srgbClr val="000000">
@@ -12617,7 +12617,7 @@
           <a:effectLst/>
           <a:extLst>
             <a:ext uri="{909E8E84-426E-40dd-AFC4-6F175D3DCCD1}">
-              <a14:hiddenFill xmlns="" xmlns:a14="http://schemas.microsoft.com/office/drawing/2010/main">
+              <a14:hiddenFill xmlns:a14="http://schemas.microsoft.com/office/drawing/2010/main" xmlns="">
                 <a:blipFill dpi="0" rotWithShape="0">
                   <a:blip/>
                   <a:srcRect/>
@@ -12628,7 +12628,7 @@
               </a14:hiddenFill>
             </a:ext>
             <a:ext uri="{91240B29-F687-4f45-9708-019B960494DF}">
-              <a14:hiddenLine xmlns="" xmlns:a14="http://schemas.microsoft.com/office/drawing/2010/main" w="9525" cap="flat">
+              <a14:hiddenLine xmlns:a14="http://schemas.microsoft.com/office/drawing/2010/main" xmlns="" w="9525" cap="flat">
                 <a:solidFill>
                   <a:srgbClr val="3465A4"/>
                 </a:solidFill>
@@ -12638,7 +12638,7 @@
               </a14:hiddenLine>
             </a:ext>
             <a:ext uri="{AF507438-7753-43e0-B8FC-AC1667EBCBE1}">
-              <a14:hiddenEffects xmlns="" xmlns:a14="http://schemas.microsoft.com/office/drawing/2010/main">
+              <a14:hiddenEffects xmlns:a14="http://schemas.microsoft.com/office/drawing/2010/main" xmlns="">
                 <a:effectLst>
                   <a:outerShdw blurRad="63500" dist="38099" dir="2700000" algn="ctr" rotWithShape="0">
                     <a:srgbClr val="000000">
@@ -12679,12 +12679,12 @@
           <a:effectLst/>
           <a:extLst>
             <a:ext uri="{909E8E84-426E-40dd-AFC4-6F175D3DCCD1}">
-              <a14:hiddenFill xmlns="" xmlns:a14="http://schemas.microsoft.com/office/drawing/2010/main">
+              <a14:hiddenFill xmlns:a14="http://schemas.microsoft.com/office/drawing/2010/main" xmlns="">
                 <a:noFill/>
               </a14:hiddenFill>
             </a:ext>
             <a:ext uri="{AF507438-7753-43e0-B8FC-AC1667EBCBE1}">
-              <a14:hiddenEffects xmlns="" xmlns:a14="http://schemas.microsoft.com/office/drawing/2010/main">
+              <a14:hiddenEffects xmlns:a14="http://schemas.microsoft.com/office/drawing/2010/main" xmlns="">
                 <a:effectLst>
                   <a:outerShdw blurRad="63500" dist="38099" dir="2700000" algn="ctr" rotWithShape="0">
                     <a:srgbClr val="000000">
@@ -12727,14 +12727,14 @@
           <a:effectLst/>
           <a:extLst>
             <a:ext uri="{909E8E84-426E-40dd-AFC4-6F175D3DCCD1}">
-              <a14:hiddenFill xmlns="" xmlns:a14="http://schemas.microsoft.com/office/drawing/2010/main">
+              <a14:hiddenFill xmlns:a14="http://schemas.microsoft.com/office/drawing/2010/main" xmlns="">
                 <a:solidFill>
                   <a:srgbClr val="FFFFFF"/>
                 </a:solidFill>
               </a14:hiddenFill>
             </a:ext>
             <a:ext uri="{91240B29-F687-4f45-9708-019B960494DF}">
-              <a14:hiddenLine xmlns="" xmlns:a14="http://schemas.microsoft.com/office/drawing/2010/main" w="9525" cap="flat">
+              <a14:hiddenLine xmlns:a14="http://schemas.microsoft.com/office/drawing/2010/main" xmlns="" w="9525" cap="flat">
                 <a:solidFill>
                   <a:srgbClr val="000000"/>
                 </a:solidFill>
@@ -12744,7 +12744,7 @@
               </a14:hiddenLine>
             </a:ext>
             <a:ext uri="{AF507438-7753-43e0-B8FC-AC1667EBCBE1}">
-              <a14:hiddenEffects xmlns="" xmlns:a14="http://schemas.microsoft.com/office/drawing/2010/main">
+              <a14:hiddenEffects xmlns:a14="http://schemas.microsoft.com/office/drawing/2010/main" xmlns="">
                 <a:effectLst>
                   <a:outerShdw blurRad="63500" dist="38099" dir="2700000" algn="ctr" rotWithShape="0">
                     <a:srgbClr val="000000">
@@ -13060,7 +13060,7 @@
           <a:effectLst/>
           <a:extLst>
             <a:ext uri="{909E8E84-426E-40dd-AFC4-6F175D3DCCD1}">
-              <a14:hiddenFill xmlns="" xmlns:a14="http://schemas.microsoft.com/office/drawing/2010/main">
+              <a14:hiddenFill xmlns:a14="http://schemas.microsoft.com/office/drawing/2010/main" xmlns="">
                 <a:blipFill dpi="0" rotWithShape="0">
                   <a:blip/>
                   <a:srcRect/>
@@ -13071,7 +13071,7 @@
               </a14:hiddenFill>
             </a:ext>
             <a:ext uri="{91240B29-F687-4f45-9708-019B960494DF}">
-              <a14:hiddenLine xmlns="" xmlns:a14="http://schemas.microsoft.com/office/drawing/2010/main" w="9525" cap="flat">
+              <a14:hiddenLine xmlns:a14="http://schemas.microsoft.com/office/drawing/2010/main" xmlns="" w="9525" cap="flat">
                 <a:solidFill>
                   <a:srgbClr val="3465A4"/>
                 </a:solidFill>
@@ -13081,7 +13081,7 @@
               </a14:hiddenLine>
             </a:ext>
             <a:ext uri="{AF507438-7753-43e0-B8FC-AC1667EBCBE1}">
-              <a14:hiddenEffects xmlns="" xmlns:a14="http://schemas.microsoft.com/office/drawing/2010/main">
+              <a14:hiddenEffects xmlns:a14="http://schemas.microsoft.com/office/drawing/2010/main" xmlns="">
                 <a:effectLst>
                   <a:outerShdw blurRad="63500" dist="38099" dir="2700000" algn="ctr" rotWithShape="0">
                     <a:srgbClr val="000000">
@@ -13130,7 +13130,7 @@
           <a:effectLst/>
           <a:extLst>
             <a:ext uri="{909E8E84-426E-40dd-AFC4-6F175D3DCCD1}">
-              <a14:hiddenFill xmlns="" xmlns:a14="http://schemas.microsoft.com/office/drawing/2010/main">
+              <a14:hiddenFill xmlns:a14="http://schemas.microsoft.com/office/drawing/2010/main" xmlns="">
                 <a:blipFill dpi="0" rotWithShape="0">
                   <a:blip/>
                   <a:srcRect/>
@@ -13141,7 +13141,7 @@
               </a14:hiddenFill>
             </a:ext>
             <a:ext uri="{91240B29-F687-4f45-9708-019B960494DF}">
-              <a14:hiddenLine xmlns="" xmlns:a14="http://schemas.microsoft.com/office/drawing/2010/main" w="9525" cap="flat">
+              <a14:hiddenLine xmlns:a14="http://schemas.microsoft.com/office/drawing/2010/main" xmlns="" w="9525" cap="flat">
                 <a:solidFill>
                   <a:srgbClr val="3465A4"/>
                 </a:solidFill>
@@ -13151,7 +13151,7 @@
               </a14:hiddenLine>
             </a:ext>
             <a:ext uri="{AF507438-7753-43e0-B8FC-AC1667EBCBE1}">
-              <a14:hiddenEffects xmlns="" xmlns:a14="http://schemas.microsoft.com/office/drawing/2010/main">
+              <a14:hiddenEffects xmlns:a14="http://schemas.microsoft.com/office/drawing/2010/main" xmlns="">
                 <a:effectLst>
                   <a:outerShdw blurRad="63500" dist="38099" dir="2700000" algn="ctr" rotWithShape="0">
                     <a:srgbClr val="000000">
@@ -13187,14 +13187,14 @@
           <a:effectLst/>
           <a:extLst>
             <a:ext uri="{909E8E84-426E-40dd-AFC4-6F175D3DCCD1}">
-              <a14:hiddenFill xmlns="" xmlns:a14="http://schemas.microsoft.com/office/drawing/2010/main">
+              <a14:hiddenFill xmlns:a14="http://schemas.microsoft.com/office/drawing/2010/main" xmlns="">
                 <a:solidFill>
                   <a:srgbClr val="FFFFFF"/>
                 </a:solidFill>
               </a14:hiddenFill>
             </a:ext>
             <a:ext uri="{91240B29-F687-4f45-9708-019B960494DF}">
-              <a14:hiddenLine xmlns="" xmlns:a14="http://schemas.microsoft.com/office/drawing/2010/main" w="9525" cap="flat">
+              <a14:hiddenLine xmlns:a14="http://schemas.microsoft.com/office/drawing/2010/main" xmlns="" w="9525" cap="flat">
                 <a:solidFill>
                   <a:srgbClr val="000000"/>
                 </a:solidFill>
@@ -13204,7 +13204,7 @@
               </a14:hiddenLine>
             </a:ext>
             <a:ext uri="{AF507438-7753-43e0-B8FC-AC1667EBCBE1}">
-              <a14:hiddenEffects xmlns="" xmlns:a14="http://schemas.microsoft.com/office/drawing/2010/main">
+              <a14:hiddenEffects xmlns:a14="http://schemas.microsoft.com/office/drawing/2010/main" xmlns="">
                 <a:effectLst>
                   <a:outerShdw blurRad="63500" dist="38099" dir="2700000" algn="ctr" rotWithShape="0">
                     <a:srgbClr val="000000">
@@ -13526,14 +13526,14 @@
           <a:effectLst/>
           <a:extLst>
             <a:ext uri="{909E8E84-426E-40dd-AFC4-6F175D3DCCD1}">
-              <a14:hiddenFill xmlns="" xmlns:a14="http://schemas.microsoft.com/office/drawing/2010/main">
+              <a14:hiddenFill xmlns:a14="http://schemas.microsoft.com/office/drawing/2010/main" xmlns="">
                 <a:solidFill>
                   <a:srgbClr val="FFFFFF"/>
                 </a:solidFill>
               </a14:hiddenFill>
             </a:ext>
             <a:ext uri="{91240B29-F687-4f45-9708-019B960494DF}">
-              <a14:hiddenLine xmlns="" xmlns:a14="http://schemas.microsoft.com/office/drawing/2010/main" w="9525" cap="flat">
+              <a14:hiddenLine xmlns:a14="http://schemas.microsoft.com/office/drawing/2010/main" xmlns="" w="9525" cap="flat">
                 <a:solidFill>
                   <a:srgbClr val="000000"/>
                 </a:solidFill>
@@ -13543,7 +13543,7 @@
               </a14:hiddenLine>
             </a:ext>
             <a:ext uri="{AF507438-7753-43e0-B8FC-AC1667EBCBE1}">
-              <a14:hiddenEffects xmlns="" xmlns:a14="http://schemas.microsoft.com/office/drawing/2010/main">
+              <a14:hiddenEffects xmlns:a14="http://schemas.microsoft.com/office/drawing/2010/main" xmlns="">
                 <a:effectLst>
                   <a:outerShdw blurRad="63500" dist="38099" dir="2700000" algn="ctr" rotWithShape="0">
                     <a:srgbClr val="000000">

--- a/assets/lectures/cbw/2024/mini/RNASeq_MiniLecture_02_04_alignmentQC.pptx
+++ b/assets/lectures/cbw/2024/mini/RNASeq_MiniLecture_02_04_alignmentQC.pptx
@@ -8924,10 +8924,10 @@
       </p:sp>
       <p:sp>
         <p:nvSpPr>
-          <p:cNvPr id="3" name="Google Shape;96;p5">
+          <p:cNvPr id="2" name="Google Shape;159;g24c7d206a1c_1_72">
             <a:extLst>
               <a:ext uri="{FF2B5EF4-FFF2-40B4-BE49-F238E27FC236}">
-                <a16:creationId xmlns:a16="http://schemas.microsoft.com/office/drawing/2014/main" id="{E36B34E3-527A-E547-A77C-111DAEDFC4A2}"/>
+                <a16:creationId xmlns:a16="http://schemas.microsoft.com/office/drawing/2014/main" id="{D23E1C95-EA15-46B6-9700-1961CE0980B4}"/>
               </a:ext>
             </a:extLst>
           </p:cNvPr>
@@ -8937,7 +8937,7 @@
         <p:spPr>
           <a:xfrm>
             <a:off x="2117124" y="3832139"/>
-            <a:ext cx="7951574" cy="300082"/>
+            <a:ext cx="7951500" cy="300000"/>
           </a:xfrm>
           <a:prstGeom prst="rect">
             <a:avLst/>
@@ -8953,11 +8953,25 @@
           </a:bodyPr>
           <a:lstStyle/>
           <a:p>
-            <a:pPr algn="ctr">
+            <a:pPr marL="0" marR="0" lvl="0" indent="0" algn="ctr" rtl="0">
+              <a:lnSpc>
+                <a:spcPct val="100000"/>
+              </a:lnSpc>
+              <a:spcBef>
+                <a:spcPts val="0"/>
+              </a:spcBef>
+              <a:spcAft>
+                <a:spcPts val="0"/>
+              </a:spcAft>
+              <a:buClr>
+                <a:srgbClr val="000000"/>
+              </a:buClr>
               <a:buSzPts val="1350"/>
+              <a:buFont typeface="Arial"/>
+              <a:buNone/>
             </a:pPr>
             <a:r>
-              <a:rPr lang="en-US" sz="1350">
+              <a:rPr lang="en-US" sz="1350" b="0" i="0" u="none" strike="noStrike" cap="none">
                 <a:solidFill>
                   <a:schemeClr val="dk1"/>
                 </a:solidFill>
@@ -8968,16 +8982,24 @@
               </a:rPr>
               <a:t>Workshop Sponsors:</a:t>
             </a:r>
-            <a:endParaRPr/>
+            <a:endParaRPr sz="1400" b="0" i="0" u="none" strike="noStrike" cap="none">
+              <a:solidFill>
+                <a:srgbClr val="000000"/>
+              </a:solidFill>
+              <a:latin typeface="Arial"/>
+              <a:ea typeface="Arial"/>
+              <a:cs typeface="Arial"/>
+              <a:sym typeface="Arial"/>
+            </a:endParaRPr>
           </a:p>
         </p:txBody>
       </p:sp>
       <p:pic>
         <p:nvPicPr>
-          <p:cNvPr id="4" name="Google Shape;97;p5">
+          <p:cNvPr id="8" name="Google Shape;160;g24c7d206a1c_1_72">
             <a:extLst>
               <a:ext uri="{FF2B5EF4-FFF2-40B4-BE49-F238E27FC236}">
-                <a16:creationId xmlns:a16="http://schemas.microsoft.com/office/drawing/2014/main" id="{4D88AD29-E43C-914B-8361-D35CA129029C}"/>
+                <a16:creationId xmlns:a16="http://schemas.microsoft.com/office/drawing/2014/main" id="{5C4D4E39-113A-2545-68F7-3B998259372C}"/>
               </a:ext>
             </a:extLst>
           </p:cNvPr>
@@ -8993,7 +9015,7 @@
         </p:blipFill>
         <p:spPr>
           <a:xfrm>
-            <a:off x="7090774" y="4479553"/>
+            <a:off x="8025272" y="4403978"/>
             <a:ext cx="1105775" cy="795825"/>
           </a:xfrm>
           <a:prstGeom prst="rect">
@@ -9007,10 +9029,10 @@
       </p:pic>
       <p:pic>
         <p:nvPicPr>
-          <p:cNvPr id="5" name="Google Shape;98;p5">
+          <p:cNvPr id="9" name="Google Shape;161;g24c7d206a1c_1_72">
             <a:extLst>
               <a:ext uri="{FF2B5EF4-FFF2-40B4-BE49-F238E27FC236}">
-                <a16:creationId xmlns:a16="http://schemas.microsoft.com/office/drawing/2014/main" id="{7432D66E-BCAC-6840-A72E-FE1F61DE5C74}"/>
+                <a16:creationId xmlns:a16="http://schemas.microsoft.com/office/drawing/2014/main" id="{66890497-E0AF-B2A9-312F-2B12F4C4AB29}"/>
               </a:ext>
             </a:extLst>
           </p:cNvPr>
@@ -9026,7 +9048,7 @@
         </p:blipFill>
         <p:spPr>
           <a:xfrm>
-            <a:off x="2126453" y="4645705"/>
+            <a:off x="3060951" y="4570130"/>
             <a:ext cx="2085975" cy="590550"/>
           </a:xfrm>
           <a:prstGeom prst="rect">
@@ -9040,10 +9062,10 @@
       </p:pic>
       <p:pic>
         <p:nvPicPr>
-          <p:cNvPr id="6" name="Google Shape;100;p5">
+          <p:cNvPr id="10" name="Google Shape;162;g24c7d206a1c_1_72">
             <a:extLst>
               <a:ext uri="{FF2B5EF4-FFF2-40B4-BE49-F238E27FC236}">
-                <a16:creationId xmlns:a16="http://schemas.microsoft.com/office/drawing/2014/main" id="{B10A9B0C-C596-284D-912D-EFF6FF252EC9}"/>
+                <a16:creationId xmlns:a16="http://schemas.microsoft.com/office/drawing/2014/main" id="{9659D92E-B39E-FD28-0F30-D0786021586F}"/>
               </a:ext>
             </a:extLst>
           </p:cNvPr>
@@ -9059,7 +9081,7 @@
         </p:blipFill>
         <p:spPr>
           <a:xfrm>
-            <a:off x="4773672" y="4319015"/>
+            <a:off x="5708169" y="4243440"/>
             <a:ext cx="1869300" cy="1243925"/>
           </a:xfrm>
           <a:prstGeom prst="rect">
@@ -9073,32 +9095,68 @@
       </p:pic>
       <p:pic>
         <p:nvPicPr>
-          <p:cNvPr id="7" name="Picture 6" descr="A picture containing graphical user interface&#10;&#10;Description automatically generated">
+          <p:cNvPr id="11" name="Google Shape;163;g24c7d206a1c_1_72" descr="A picture containing graphical user interface&#10;&#10;Description automatically generated">
             <a:extLst>
               <a:ext uri="{FF2B5EF4-FFF2-40B4-BE49-F238E27FC236}">
-                <a16:creationId xmlns:a16="http://schemas.microsoft.com/office/drawing/2014/main" id="{E9AEFFDB-F0E7-2943-A148-2638BAEF5C15}"/>
+                <a16:creationId xmlns:a16="http://schemas.microsoft.com/office/drawing/2014/main" id="{0BE79845-196A-34F3-459D-274D4FD710FD}"/>
               </a:ext>
             </a:extLst>
           </p:cNvPr>
-          <p:cNvPicPr>
-            <a:picLocks noChangeAspect="1"/>
-          </p:cNvPicPr>
+          <p:cNvPicPr preferRelativeResize="0"/>
           <p:nvPr/>
         </p:nvPicPr>
-        <p:blipFill>
-          <a:blip r:embed="rId6"/>
-          <a:stretch>
-            <a:fillRect/>
-          </a:stretch>
+        <p:blipFill rotWithShape="1">
+          <a:blip r:embed="rId6">
+            <a:alphaModFix/>
+          </a:blip>
+          <a:srcRect/>
+          <a:stretch/>
         </p:blipFill>
         <p:spPr>
           <a:xfrm>
-            <a:off x="8942610" y="4529349"/>
+            <a:off x="6502657" y="5353037"/>
             <a:ext cx="1143000" cy="685800"/>
           </a:xfrm>
           <a:prstGeom prst="rect">
             <a:avLst/>
           </a:prstGeom>
+          <a:noFill/>
+          <a:ln>
+            <a:noFill/>
+          </a:ln>
+        </p:spPr>
+      </p:pic>
+      <p:pic>
+        <p:nvPicPr>
+          <p:cNvPr id="12" name="Google Shape;164;g24c7d206a1c_1_72">
+            <a:extLst>
+              <a:ext uri="{FF2B5EF4-FFF2-40B4-BE49-F238E27FC236}">
+                <a16:creationId xmlns:a16="http://schemas.microsoft.com/office/drawing/2014/main" id="{CB8079B9-F20C-AD97-2B3D-C627D2BC60B7}"/>
+              </a:ext>
+            </a:extLst>
+          </p:cNvPr>
+          <p:cNvPicPr preferRelativeResize="0"/>
+          <p:nvPr/>
+        </p:nvPicPr>
+        <p:blipFill rotWithShape="1">
+          <a:blip r:embed="rId7">
+            <a:alphaModFix/>
+          </a:blip>
+          <a:srcRect/>
+          <a:stretch/>
+        </p:blipFill>
+        <p:spPr>
+          <a:xfrm>
+            <a:off x="4546337" y="5426596"/>
+            <a:ext cx="1311749" cy="538675"/>
+          </a:xfrm>
+          <a:prstGeom prst="rect">
+            <a:avLst/>
+          </a:prstGeom>
+          <a:noFill/>
+          <a:ln>
+            <a:noFill/>
+          </a:ln>
         </p:spPr>
       </p:pic>
     </p:spTree>
@@ -9133,7 +9191,13 @@
       </p:grpSpPr>
       <p:pic>
         <p:nvPicPr>
-          <p:cNvPr id="75" name="Google Shape;75;p2" descr="Picture 1.png"/>
+          <p:cNvPr id="2" name="Google Shape;131;p2">
+            <a:extLst>
+              <a:ext uri="{FF2B5EF4-FFF2-40B4-BE49-F238E27FC236}">
+                <a16:creationId xmlns:a16="http://schemas.microsoft.com/office/drawing/2014/main" id="{2B4CE284-BA90-B5AE-5B4D-2D81614485C5}"/>
+              </a:ext>
+            </a:extLst>
+          </p:cNvPr>
           <p:cNvPicPr preferRelativeResize="0"/>
           <p:nvPr/>
         </p:nvPicPr>
@@ -9146,8 +9210,8 @@
         </p:blipFill>
         <p:spPr>
           <a:xfrm>
-            <a:off x="3135984" y="290447"/>
-            <a:ext cx="5920032" cy="5813143"/>
+            <a:off x="4095918" y="260648"/>
+            <a:ext cx="4000165" cy="6003046"/>
           </a:xfrm>
           <a:prstGeom prst="rect">
             <a:avLst/>
